--- a/W044週報_戴君諺.pptx
+++ b/W044週報_戴君諺.pptx
@@ -30188,7 +30188,7 @@
           <a:p>
             <a:fld id="{80354F54-E90F-4606-9C47-21B01465DAC3}" type="datetimeFigureOut">
               <a:rPr lang="zh-TW" altLang="en-US" smtClean="0"/>
-              <a:t>2020/10/29</a:t>
+              <a:t>2020/10/30</a:t>
             </a:fld>
             <a:endParaRPr lang="zh-TW" altLang="en-US"/>
           </a:p>
@@ -32727,7 +32727,7 @@
           <a:p>
             <a:fld id="{DDBB15A4-658E-44F1-9479-90066A427DD1}" type="datetimeFigureOut">
               <a:rPr lang="zh-TW" altLang="en-US" smtClean="0"/>
-              <a:t>2020/10/29</a:t>
+              <a:t>2020/10/30</a:t>
             </a:fld>
             <a:endParaRPr lang="zh-TW" altLang="en-US"/>
           </a:p>
@@ -32925,7 +32925,7 @@
           <a:p>
             <a:fld id="{DDBB15A4-658E-44F1-9479-90066A427DD1}" type="datetimeFigureOut">
               <a:rPr lang="zh-TW" altLang="en-US" smtClean="0"/>
-              <a:t>2020/10/29</a:t>
+              <a:t>2020/10/30</a:t>
             </a:fld>
             <a:endParaRPr lang="zh-TW" altLang="en-US"/>
           </a:p>
@@ -33133,7 +33133,7 @@
           <a:p>
             <a:fld id="{DDBB15A4-658E-44F1-9479-90066A427DD1}" type="datetimeFigureOut">
               <a:rPr lang="zh-TW" altLang="en-US" smtClean="0"/>
-              <a:t>2020/10/29</a:t>
+              <a:t>2020/10/30</a:t>
             </a:fld>
             <a:endParaRPr lang="zh-TW" altLang="en-US"/>
           </a:p>
@@ -33331,7 +33331,7 @@
           <a:p>
             <a:fld id="{DDBB15A4-658E-44F1-9479-90066A427DD1}" type="datetimeFigureOut">
               <a:rPr lang="zh-TW" altLang="en-US" smtClean="0"/>
-              <a:t>2020/10/29</a:t>
+              <a:t>2020/10/30</a:t>
             </a:fld>
             <a:endParaRPr lang="zh-TW" altLang="en-US"/>
           </a:p>
@@ -33606,7 +33606,7 @@
           <a:p>
             <a:fld id="{DDBB15A4-658E-44F1-9479-90066A427DD1}" type="datetimeFigureOut">
               <a:rPr lang="zh-TW" altLang="en-US" smtClean="0"/>
-              <a:t>2020/10/29</a:t>
+              <a:t>2020/10/30</a:t>
             </a:fld>
             <a:endParaRPr lang="zh-TW" altLang="en-US"/>
           </a:p>
@@ -33871,7 +33871,7 @@
           <a:p>
             <a:fld id="{DDBB15A4-658E-44F1-9479-90066A427DD1}" type="datetimeFigureOut">
               <a:rPr lang="zh-TW" altLang="en-US" smtClean="0"/>
-              <a:t>2020/10/29</a:t>
+              <a:t>2020/10/30</a:t>
             </a:fld>
             <a:endParaRPr lang="zh-TW" altLang="en-US"/>
           </a:p>
@@ -34283,7 +34283,7 @@
           <a:p>
             <a:fld id="{DDBB15A4-658E-44F1-9479-90066A427DD1}" type="datetimeFigureOut">
               <a:rPr lang="zh-TW" altLang="en-US" smtClean="0"/>
-              <a:t>2020/10/29</a:t>
+              <a:t>2020/10/30</a:t>
             </a:fld>
             <a:endParaRPr lang="zh-TW" altLang="en-US"/>
           </a:p>
@@ -34424,7 +34424,7 @@
           <a:p>
             <a:fld id="{DDBB15A4-658E-44F1-9479-90066A427DD1}" type="datetimeFigureOut">
               <a:rPr lang="zh-TW" altLang="en-US" smtClean="0"/>
-              <a:t>2020/10/29</a:t>
+              <a:t>2020/10/30</a:t>
             </a:fld>
             <a:endParaRPr lang="zh-TW" altLang="en-US"/>
           </a:p>
@@ -34537,7 +34537,7 @@
           <a:p>
             <a:fld id="{DDBB15A4-658E-44F1-9479-90066A427DD1}" type="datetimeFigureOut">
               <a:rPr lang="zh-TW" altLang="en-US" smtClean="0"/>
-              <a:t>2020/10/29</a:t>
+              <a:t>2020/10/30</a:t>
             </a:fld>
             <a:endParaRPr lang="zh-TW" altLang="en-US"/>
           </a:p>
@@ -34848,7 +34848,7 @@
           <a:p>
             <a:fld id="{DDBB15A4-658E-44F1-9479-90066A427DD1}" type="datetimeFigureOut">
               <a:rPr lang="zh-TW" altLang="en-US" smtClean="0"/>
-              <a:t>2020/10/29</a:t>
+              <a:t>2020/10/30</a:t>
             </a:fld>
             <a:endParaRPr lang="zh-TW" altLang="en-US"/>
           </a:p>
@@ -35136,7 +35136,7 @@
           <a:p>
             <a:fld id="{DDBB15A4-658E-44F1-9479-90066A427DD1}" type="datetimeFigureOut">
               <a:rPr lang="zh-TW" altLang="en-US" smtClean="0"/>
-              <a:t>2020/10/29</a:t>
+              <a:t>2020/10/30</a:t>
             </a:fld>
             <a:endParaRPr lang="zh-TW" altLang="en-US"/>
           </a:p>
@@ -35377,7 +35377,7 @@
           <a:p>
             <a:fld id="{DDBB15A4-658E-44F1-9479-90066A427DD1}" type="datetimeFigureOut">
               <a:rPr lang="zh-TW" altLang="en-US" smtClean="0"/>
-              <a:t>2020/10/29</a:t>
+              <a:t>2020/10/30</a:t>
             </a:fld>
             <a:endParaRPr lang="zh-TW" altLang="en-US"/>
           </a:p>
@@ -37024,14 +37024,6 @@
   <p:clrMapOvr>
     <a:masterClrMapping/>
   </p:clrMapOvr>
-  <mc:AlternateContent xmlns:mc="http://schemas.openxmlformats.org/markup-compatibility/2006" xmlns:p14="http://schemas.microsoft.com/office/powerpoint/2010/main">
-    <mc:Choice Requires="p14">
-      <p:transition p14:dur="0" advTm="3000"/>
-    </mc:Choice>
-    <mc:Fallback xmlns="">
-      <p:transition advTm="3000"/>
-    </mc:Fallback>
-  </mc:AlternateContent>
 </p:sld>
 </file>
 
@@ -38433,12 +38425,12 @@
   <p:clrMapOvr>
     <a:masterClrMapping/>
   </p:clrMapOvr>
-  <mc:AlternateContent xmlns:mc="http://schemas.openxmlformats.org/markup-compatibility/2006" xmlns:p14="http://schemas.microsoft.com/office/powerpoint/2010/main">
-    <mc:Choice Requires="p14">
-      <p:transition p14:dur="0" advTm="3000"/>
+  <mc:AlternateContent xmlns:mc="http://schemas.openxmlformats.org/markup-compatibility/2006">
+    <mc:Choice xmlns:p14="http://schemas.microsoft.com/office/powerpoint/2010/main" Requires="p14">
+      <p:transition p14:dur="250"/>
     </mc:Choice>
-    <mc:Fallback xmlns="">
-      <p:transition advTm="3000"/>
+    <mc:Fallback>
+      <p:transition/>
     </mc:Fallback>
   </mc:AlternateContent>
 </p:sld>

--- a/W044週報_戴君諺.pptx
+++ b/W044週報_戴君諺.pptx
@@ -9822,7 +9822,19 @@
               <a:latin typeface="微軟正黑體" panose="020B0604030504040204" pitchFamily="34" charset="-120"/>
               <a:ea typeface="微軟正黑體" panose="020B0604030504040204" pitchFamily="34" charset="-120"/>
             </a:rPr>
-            <a:t>兩個黑洞互相抵銷過大的重力</a:t>
+            <a:t>兩個黑洞互相抵消</a:t>
+          </a:r>
+        </a:p>
+        <a:p>
+          <a:r>
+            <a:rPr lang="zh-TW" altLang="en-US" dirty="0">
+              <a:solidFill>
+                <a:schemeClr val="bg2"/>
+              </a:solidFill>
+              <a:latin typeface="微軟正黑體" panose="020B0604030504040204" pitchFamily="34" charset="-120"/>
+              <a:ea typeface="微軟正黑體" panose="020B0604030504040204" pitchFamily="34" charset="-120"/>
+            </a:rPr>
+            <a:t>過大的重力</a:t>
           </a:r>
         </a:p>
       </dgm:t>
@@ -9864,7 +9876,7 @@
               <a:latin typeface="微軟正黑體" panose="020B0604030504040204" pitchFamily="34" charset="-120"/>
               <a:ea typeface="微軟正黑體" panose="020B0604030504040204" pitchFamily="34" charset="-120"/>
             </a:rPr>
-            <a:t>藉由黑洞中心產生的封閉時間迴圈穿越時空</a:t>
+            <a:t>藉由黑洞中心強大的重力場產生的封閉時間迴圈穿越時空</a:t>
           </a:r>
         </a:p>
       </dgm:t>
@@ -10037,7 +10049,7 @@
               <a:latin typeface="微軟正黑體" panose="020B0604030504040204" pitchFamily="34" charset="-120"/>
               <a:ea typeface="微軟正黑體" panose="020B0604030504040204" pitchFamily="34" charset="-120"/>
             </a:rPr>
-            <a:t>兩個黑洞互相抵銷過大的重力</a:t>
+            <a:t>兩個黑洞互相抵消過大的重力</a:t>
           </a:r>
         </a:p>
       </dgm:t>
@@ -10079,7 +10091,7 @@
               <a:latin typeface="微軟正黑體" panose="020B0604030504040204" pitchFamily="34" charset="-120"/>
               <a:ea typeface="微軟正黑體" panose="020B0604030504040204" pitchFamily="34" charset="-120"/>
             </a:rPr>
-            <a:t>藉由黑洞中心產生的封閉時間迴圈穿越時空</a:t>
+            <a:t>藉由黑洞中心強大的重力場產生的封閉時間迴圈穿越時空</a:t>
           </a:r>
         </a:p>
       </dgm:t>
@@ -10246,7 +10258,19 @@
               <a:latin typeface="微軟正黑體" panose="020B0604030504040204" pitchFamily="34" charset="-120"/>
               <a:ea typeface="微軟正黑體" panose="020B0604030504040204" pitchFamily="34" charset="-120"/>
             </a:rPr>
-            <a:t>兩個黑洞互相抵銷過大的重力</a:t>
+            <a:t>兩個黑洞互相抵消</a:t>
+          </a:r>
+        </a:p>
+        <a:p>
+          <a:r>
+            <a:rPr lang="zh-TW" altLang="en-US" dirty="0">
+              <a:solidFill>
+                <a:schemeClr val="bg2"/>
+              </a:solidFill>
+              <a:latin typeface="微軟正黑體" panose="020B0604030504040204" pitchFamily="34" charset="-120"/>
+              <a:ea typeface="微軟正黑體" panose="020B0604030504040204" pitchFamily="34" charset="-120"/>
+            </a:rPr>
+            <a:t>過大的重力</a:t>
           </a:r>
         </a:p>
       </dgm:t>
@@ -10294,7 +10318,7 @@
               <a:latin typeface="微軟正黑體" panose="020B0604030504040204" pitchFamily="34" charset="-120"/>
               <a:ea typeface="微軟正黑體" panose="020B0604030504040204" pitchFamily="34" charset="-120"/>
             </a:rPr>
-            <a:t>藉由黑洞中心產生的封閉時間迴圈穿越時空</a:t>
+            <a:t>藉由黑洞中心強大的重力場產生的封閉時間迴圈穿越時空</a:t>
           </a:r>
         </a:p>
       </dgm:t>
@@ -10391,7 +10415,7 @@
   <dgm:whole/>
   <dgm:extLst>
     <a:ext uri="http://schemas.microsoft.com/office/drawing/2008/diagram">
-      <dsp:dataModelExt xmlns:dsp="http://schemas.microsoft.com/office/drawing/2008/diagram" relId="rId6" minVer="http://schemas.openxmlformats.org/drawingml/2006/diagram"/>
+      <dsp:dataModelExt xmlns:dsp="http://schemas.microsoft.com/office/drawing/2008/diagram" relId="rId7" minVer="http://schemas.openxmlformats.org/drawingml/2006/diagram"/>
     </a:ext>
   </dgm:extLst>
 </dgm:dataModel>
@@ -12128,7 +12152,19 @@
               <a:latin typeface="微軟正黑體" panose="020B0604030504040204" pitchFamily="34" charset="-120"/>
               <a:ea typeface="微軟正黑體" panose="020B0604030504040204" pitchFamily="34" charset="-120"/>
             </a:rPr>
-            <a:t>兩個黑洞互相抵銷過大的重力</a:t>
+            <a:t>兩個黑洞互相抵消</a:t>
+          </a:r>
+        </a:p>
+        <a:p>
+          <a:r>
+            <a:rPr lang="zh-TW" altLang="en-US" dirty="0">
+              <a:solidFill>
+                <a:schemeClr val="tx1"/>
+              </a:solidFill>
+              <a:latin typeface="微軟正黑體" panose="020B0604030504040204" pitchFamily="34" charset="-120"/>
+              <a:ea typeface="微軟正黑體" panose="020B0604030504040204" pitchFamily="34" charset="-120"/>
+            </a:rPr>
+            <a:t>過大的重力</a:t>
           </a:r>
         </a:p>
       </dgm:t>
@@ -12170,7 +12206,7 @@
               <a:latin typeface="微軟正黑體" panose="020B0604030504040204" pitchFamily="34" charset="-120"/>
               <a:ea typeface="微軟正黑體" panose="020B0604030504040204" pitchFamily="34" charset="-120"/>
             </a:rPr>
-            <a:t>藉由黑洞中心產生的封閉時間迴圈穿越時空</a:t>
+            <a:t>藉由黑洞中心強大的重力場產生的封閉時間迴圈穿越時空</a:t>
           </a:r>
         </a:p>
       </dgm:t>
@@ -12639,7 +12675,7 @@
       </dsp:nvSpPr>
       <dsp:spPr>
         <a:xfrm>
-          <a:off x="356339" y="1305401"/>
+          <a:off x="344786" y="1305401"/>
           <a:ext cx="3154680" cy="1740535"/>
         </a:xfrm>
         <a:prstGeom prst="roundRect">
@@ -12707,7 +12743,7 @@
         </a:p>
       </dsp:txBody>
       <dsp:txXfrm>
-        <a:off x="441305" y="1390367"/>
+        <a:off x="429752" y="1390367"/>
         <a:ext cx="2984748" cy="1570603"/>
       </dsp:txXfrm>
     </dsp:sp>
@@ -12718,7 +12754,7 @@
       </dsp:nvSpPr>
       <dsp:spPr>
         <a:xfrm>
-          <a:off x="3680460" y="1305401"/>
+          <a:off x="3680459" y="1305401"/>
           <a:ext cx="3154680" cy="1740535"/>
         </a:xfrm>
         <a:prstGeom prst="roundRect">
@@ -12786,12 +12822,36 @@
               <a:latin typeface="微軟正黑體" panose="020B0604030504040204" pitchFamily="34" charset="-120"/>
               <a:ea typeface="微軟正黑體" panose="020B0604030504040204" pitchFamily="34" charset="-120"/>
             </a:rPr>
-            <a:t>兩個黑洞互相抵銷過大的重力</a:t>
+            <a:t>兩個黑洞互相抵消</a:t>
+          </a:r>
+        </a:p>
+        <a:p>
+          <a:pPr marL="0" lvl="0" indent="0" algn="ctr" defTabSz="1022350">
+            <a:lnSpc>
+              <a:spcPct val="90000"/>
+            </a:lnSpc>
+            <a:spcBef>
+              <a:spcPct val="0"/>
+            </a:spcBef>
+            <a:spcAft>
+              <a:spcPct val="35000"/>
+            </a:spcAft>
+            <a:buNone/>
+          </a:pPr>
+          <a:r>
+            <a:rPr lang="zh-TW" altLang="en-US" sz="2300" kern="1200" dirty="0">
+              <a:solidFill>
+                <a:schemeClr val="bg2"/>
+              </a:solidFill>
+              <a:latin typeface="微軟正黑體" panose="020B0604030504040204" pitchFamily="34" charset="-120"/>
+              <a:ea typeface="微軟正黑體" panose="020B0604030504040204" pitchFamily="34" charset="-120"/>
+            </a:rPr>
+            <a:t>過大的重力</a:t>
           </a:r>
         </a:p>
       </dsp:txBody>
       <dsp:txXfrm>
-        <a:off x="3765426" y="1390367"/>
+        <a:off x="3765425" y="1390367"/>
         <a:ext cx="2984748" cy="1570603"/>
       </dsp:txXfrm>
     </dsp:sp>
@@ -12802,7 +12862,7 @@
       </dsp:nvSpPr>
       <dsp:spPr>
         <a:xfrm>
-          <a:off x="7004580" y="1305401"/>
+          <a:off x="7016133" y="1305401"/>
           <a:ext cx="3154680" cy="1740535"/>
         </a:xfrm>
         <a:prstGeom prst="roundRect">
@@ -12870,12 +12930,12 @@
               <a:latin typeface="微軟正黑體" panose="020B0604030504040204" pitchFamily="34" charset="-120"/>
               <a:ea typeface="微軟正黑體" panose="020B0604030504040204" pitchFamily="34" charset="-120"/>
             </a:rPr>
-            <a:t>藉由黑洞中心產生的封閉時間迴圈穿越時空</a:t>
+            <a:t>藉由黑洞中心強大的重力場產生的封閉時間迴圈穿越時空</a:t>
           </a:r>
         </a:p>
       </dsp:txBody>
       <dsp:txXfrm>
-        <a:off x="7089546" y="1390367"/>
+        <a:off x="7101099" y="1390367"/>
         <a:ext cx="2984748" cy="1570603"/>
       </dsp:txXfrm>
     </dsp:sp>
@@ -13085,7 +13145,7 @@
               <a:latin typeface="微軟正黑體" panose="020B0604030504040204" pitchFamily="34" charset="-120"/>
               <a:ea typeface="微軟正黑體" panose="020B0604030504040204" pitchFamily="34" charset="-120"/>
             </a:rPr>
-            <a:t>兩個黑洞互相抵銷過大的重力</a:t>
+            <a:t>兩個黑洞互相抵消過大的重力</a:t>
           </a:r>
         </a:p>
       </dsp:txBody>
@@ -13169,7 +13229,7 @@
               <a:latin typeface="微軟正黑體" panose="020B0604030504040204" pitchFamily="34" charset="-120"/>
               <a:ea typeface="微軟正黑體" panose="020B0604030504040204" pitchFamily="34" charset="-120"/>
             </a:rPr>
-            <a:t>藉由黑洞中心產生的封閉時間迴圈穿越時空</a:t>
+            <a:t>藉由黑洞中心強大的重力場產生的封閉時間迴圈穿越時空</a:t>
           </a:r>
         </a:p>
       </dsp:txBody>
@@ -13237,7 +13297,7 @@
       </dsp:nvSpPr>
       <dsp:spPr>
         <a:xfrm>
-          <a:off x="356339" y="1305401"/>
+          <a:off x="344786" y="1305401"/>
           <a:ext cx="3154680" cy="1740535"/>
         </a:xfrm>
         <a:prstGeom prst="roundRect">
@@ -13310,7 +13370,7 @@
         </a:p>
       </dsp:txBody>
       <dsp:txXfrm>
-        <a:off x="441305" y="1390367"/>
+        <a:off x="429752" y="1390367"/>
         <a:ext cx="2984748" cy="1570603"/>
       </dsp:txXfrm>
     </dsp:sp>
@@ -13321,7 +13381,7 @@
       </dsp:nvSpPr>
       <dsp:spPr>
         <a:xfrm>
-          <a:off x="3680460" y="1305401"/>
+          <a:off x="3680459" y="1305401"/>
           <a:ext cx="3154680" cy="1740535"/>
         </a:xfrm>
         <a:prstGeom prst="roundRect">
@@ -13389,12 +13449,36 @@
               <a:latin typeface="微軟正黑體" panose="020B0604030504040204" pitchFamily="34" charset="-120"/>
               <a:ea typeface="微軟正黑體" panose="020B0604030504040204" pitchFamily="34" charset="-120"/>
             </a:rPr>
-            <a:t>兩個黑洞互相抵銷過大的重力</a:t>
+            <a:t>兩個黑洞互相抵消</a:t>
+          </a:r>
+        </a:p>
+        <a:p>
+          <a:pPr marL="0" lvl="0" indent="0" algn="ctr" defTabSz="1022350">
+            <a:lnSpc>
+              <a:spcPct val="90000"/>
+            </a:lnSpc>
+            <a:spcBef>
+              <a:spcPct val="0"/>
+            </a:spcBef>
+            <a:spcAft>
+              <a:spcPct val="35000"/>
+            </a:spcAft>
+            <a:buNone/>
+          </a:pPr>
+          <a:r>
+            <a:rPr lang="zh-TW" altLang="en-US" sz="2300" kern="1200" dirty="0">
+              <a:solidFill>
+                <a:schemeClr val="bg2"/>
+              </a:solidFill>
+              <a:latin typeface="微軟正黑體" panose="020B0604030504040204" pitchFamily="34" charset="-120"/>
+              <a:ea typeface="微軟正黑體" panose="020B0604030504040204" pitchFamily="34" charset="-120"/>
+            </a:rPr>
+            <a:t>過大的重力</a:t>
           </a:r>
         </a:p>
       </dsp:txBody>
       <dsp:txXfrm>
-        <a:off x="3765426" y="1390367"/>
+        <a:off x="3765425" y="1390367"/>
         <a:ext cx="2984748" cy="1570603"/>
       </dsp:txXfrm>
     </dsp:sp>
@@ -13405,7 +13489,7 @@
       </dsp:nvSpPr>
       <dsp:spPr>
         <a:xfrm>
-          <a:off x="7004580" y="1305401"/>
+          <a:off x="7016133" y="1305401"/>
           <a:ext cx="3154680" cy="1740535"/>
         </a:xfrm>
         <a:prstGeom prst="roundRect">
@@ -13468,12 +13552,12 @@
               <a:latin typeface="微軟正黑體" panose="020B0604030504040204" pitchFamily="34" charset="-120"/>
               <a:ea typeface="微軟正黑體" panose="020B0604030504040204" pitchFamily="34" charset="-120"/>
             </a:rPr>
-            <a:t>藉由黑洞中心產生的封閉時間迴圈穿越時空</a:t>
+            <a:t>藉由黑洞中心強大的重力場產生的封閉時間迴圈穿越時空</a:t>
           </a:r>
         </a:p>
       </dsp:txBody>
       <dsp:txXfrm>
-        <a:off x="7089546" y="1390367"/>
+        <a:off x="7101099" y="1390367"/>
         <a:ext cx="2984748" cy="1570603"/>
       </dsp:txXfrm>
     </dsp:sp>
@@ -15601,7 +15685,7 @@
       </dsp:nvSpPr>
       <dsp:spPr>
         <a:xfrm>
-          <a:off x="356339" y="1305401"/>
+          <a:off x="344786" y="1305401"/>
           <a:ext cx="3154680" cy="1740535"/>
         </a:xfrm>
         <a:prstGeom prst="roundRect">
@@ -15674,7 +15758,7 @@
         </a:p>
       </dsp:txBody>
       <dsp:txXfrm>
-        <a:off x="441305" y="1390367"/>
+        <a:off x="429752" y="1390367"/>
         <a:ext cx="2984748" cy="1570603"/>
       </dsp:txXfrm>
     </dsp:sp>
@@ -15685,7 +15769,7 @@
       </dsp:nvSpPr>
       <dsp:spPr>
         <a:xfrm>
-          <a:off x="3680460" y="1305401"/>
+          <a:off x="3680459" y="1305401"/>
           <a:ext cx="3154680" cy="1740535"/>
         </a:xfrm>
         <a:prstGeom prst="roundRect">
@@ -15753,12 +15837,36 @@
               <a:latin typeface="微軟正黑體" panose="020B0604030504040204" pitchFamily="34" charset="-120"/>
               <a:ea typeface="微軟正黑體" panose="020B0604030504040204" pitchFamily="34" charset="-120"/>
             </a:rPr>
-            <a:t>兩個黑洞互相抵銷過大的重力</a:t>
+            <a:t>兩個黑洞互相抵消</a:t>
+          </a:r>
+        </a:p>
+        <a:p>
+          <a:pPr marL="0" lvl="0" indent="0" algn="ctr" defTabSz="1022350">
+            <a:lnSpc>
+              <a:spcPct val="90000"/>
+            </a:lnSpc>
+            <a:spcBef>
+              <a:spcPct val="0"/>
+            </a:spcBef>
+            <a:spcAft>
+              <a:spcPct val="35000"/>
+            </a:spcAft>
+            <a:buNone/>
+          </a:pPr>
+          <a:r>
+            <a:rPr lang="zh-TW" altLang="en-US" sz="2300" kern="1200" dirty="0">
+              <a:solidFill>
+                <a:schemeClr val="tx1"/>
+              </a:solidFill>
+              <a:latin typeface="微軟正黑體" panose="020B0604030504040204" pitchFamily="34" charset="-120"/>
+              <a:ea typeface="微軟正黑體" panose="020B0604030504040204" pitchFamily="34" charset="-120"/>
+            </a:rPr>
+            <a:t>過大的重力</a:t>
           </a:r>
         </a:p>
       </dsp:txBody>
       <dsp:txXfrm>
-        <a:off x="3765426" y="1390367"/>
+        <a:off x="3765425" y="1390367"/>
         <a:ext cx="2984748" cy="1570603"/>
       </dsp:txXfrm>
     </dsp:sp>
@@ -15769,7 +15877,7 @@
       </dsp:nvSpPr>
       <dsp:spPr>
         <a:xfrm>
-          <a:off x="7004580" y="1305401"/>
+          <a:off x="7016133" y="1305401"/>
           <a:ext cx="3154680" cy="1740535"/>
         </a:xfrm>
         <a:prstGeom prst="roundRect">
@@ -15837,12 +15945,12 @@
               <a:latin typeface="微軟正黑體" panose="020B0604030504040204" pitchFamily="34" charset="-120"/>
               <a:ea typeface="微軟正黑體" panose="020B0604030504040204" pitchFamily="34" charset="-120"/>
             </a:rPr>
-            <a:t>藉由黑洞中心產生的封閉時間迴圈穿越時空</a:t>
+            <a:t>藉由黑洞中心強大的重力場產生的封閉時間迴圈穿越時空</a:t>
           </a:r>
         </a:p>
       </dsp:txBody>
       <dsp:txXfrm>
-        <a:off x="7089546" y="1390367"/>
+        <a:off x="7101099" y="1390367"/>
         <a:ext cx="2984748" cy="1570603"/>
       </dsp:txXfrm>
     </dsp:sp>
@@ -30882,7 +30990,14 @@
                 <a:ea typeface="+mn-ea"/>
                 <a:cs typeface="+mn-cs"/>
               </a:rPr>
-              <a:t>作者將一顆自旋的中子打進上述那個雷射迴圈中，果然觀察到中子在通過時，發生了時間遲滯的現象（計算中子旋轉的結果）。 </a:t>
+              <a:t>作者</a:t>
+            </a:r>
+            <a:r>
+              <a:rPr lang="zh-TW" altLang="en-US" dirty="0">
+                <a:latin typeface="微軟正黑體" panose="020B0604030504040204" pitchFamily="34" charset="-120"/>
+                <a:ea typeface="微軟正黑體" panose="020B0604030504040204" pitchFamily="34" charset="-120"/>
+              </a:rPr>
+              <a:t>將一顆自旋的中子打進上述的雷射迴圈中，計算中子旋轉的結果，觀察到中子發生了時間遲滯的現象。 </a:t>
             </a:r>
             <a:endParaRPr lang="en-US" altLang="zh-TW" sz="1200" b="0" i="0" kern="1200" dirty="0">
               <a:solidFill>
@@ -30895,26 +31010,12 @@
             </a:endParaRPr>
           </a:p>
           <a:p>
-            <a:pPr marL="0" marR="0" lvl="0" indent="0" algn="l" defTabSz="914400" rtl="0" eaLnBrk="1" fontAlgn="auto" latinLnBrk="0" hangingPunct="1">
-              <a:lnSpc>
-                <a:spcPct val="100000"/>
-              </a:lnSpc>
-              <a:spcBef>
-                <a:spcPts val="0"/>
-              </a:spcBef>
-              <a:spcAft>
-                <a:spcPts val="0"/>
-              </a:spcAft>
-              <a:buClrTx/>
-              <a:buSzTx/>
-              <a:buFontTx/>
-              <a:buNone/>
-              <a:tabLst/>
-              <a:defRPr/>
-            </a:pPr>
             <a:r>
-              <a:rPr lang="zh-TW" altLang="en-US" dirty="0"/>
-              <a:t>最早只能回到機器啟動的時間點</a:t>
+              <a:rPr lang="zh-TW" altLang="en-US" dirty="0">
+                <a:latin typeface="微軟正黑體" panose="020B0604030504040204" pitchFamily="34" charset="-120"/>
+                <a:ea typeface="微軟正黑體" panose="020B0604030504040204" pitchFamily="34" charset="-120"/>
+              </a:rPr>
+              <a:t>根據理論最早只能回到此時光機啟動的時間點。</a:t>
             </a:r>
           </a:p>
           <a:p>
@@ -31545,6 +31646,103 @@
     <p:extLst>
       <p:ext uri="{BB962C8B-B14F-4D97-AF65-F5344CB8AC3E}">
         <p14:creationId xmlns:p14="http://schemas.microsoft.com/office/powerpoint/2010/main" val="4289824446"/>
+      </p:ext>
+    </p:extLst>
+  </p:cSld>
+  <p:clrMapOvr>
+    <a:masterClrMapping/>
+  </p:clrMapOvr>
+</p:notes>
+</file>
+
+<file path=ppt/notesSlides/notesSlide18.xml><?xml version="1.0" encoding="utf-8"?>
+<p:notes xmlns:a="http://schemas.openxmlformats.org/drawingml/2006/main" xmlns:r="http://schemas.openxmlformats.org/officeDocument/2006/relationships" xmlns:p="http://schemas.openxmlformats.org/presentationml/2006/main">
+  <p:cSld>
+    <p:spTree>
+      <p:nvGrpSpPr>
+        <p:cNvPr id="1" name=""/>
+        <p:cNvGrpSpPr/>
+        <p:nvPr/>
+      </p:nvGrpSpPr>
+      <p:grpSpPr>
+        <a:xfrm>
+          <a:off x="0" y="0"/>
+          <a:ext cx="0" cy="0"/>
+          <a:chOff x="0" y="0"/>
+          <a:chExt cx="0" cy="0"/>
+        </a:xfrm>
+      </p:grpSpPr>
+      <p:sp>
+        <p:nvSpPr>
+          <p:cNvPr id="2" name="投影片影像版面配置區 1"/>
+          <p:cNvSpPr>
+            <a:spLocks noGrp="1" noRot="1" noChangeAspect="1"/>
+          </p:cNvSpPr>
+          <p:nvPr>
+            <p:ph type="sldImg"/>
+          </p:nvPr>
+        </p:nvSpPr>
+        <p:spPr/>
+      </p:sp>
+      <p:sp>
+        <p:nvSpPr>
+          <p:cNvPr id="3" name="備忘稿版面配置區 2"/>
+          <p:cNvSpPr>
+            <a:spLocks noGrp="1"/>
+          </p:cNvSpPr>
+          <p:nvPr>
+            <p:ph type="body" idx="1"/>
+          </p:nvPr>
+        </p:nvSpPr>
+        <p:spPr/>
+        <p:txBody>
+          <a:bodyPr/>
+          <a:lstStyle/>
+          <a:p>
+            <a:r>
+              <a:rPr lang="zh-TW" altLang="en-US" dirty="0"/>
+              <a:t>由於黑洞中心有強大的重力場，因此能夠產生封閉時間迴圈穿越時空</a:t>
+            </a:r>
+            <a:endParaRPr lang="en-US" altLang="zh-TW" dirty="0"/>
+          </a:p>
+          <a:p>
+            <a:endParaRPr lang="en-US" altLang="zh-TW" dirty="0"/>
+          </a:p>
+          <a:p>
+            <a:r>
+              <a:rPr lang="zh-TW" altLang="en-US" dirty="0"/>
+              <a:t>這個時光機的原理在當時也獲得不少學者的認同</a:t>
+            </a:r>
+          </a:p>
+        </p:txBody>
+      </p:sp>
+      <p:sp>
+        <p:nvSpPr>
+          <p:cNvPr id="4" name="投影片編號版面配置區 3"/>
+          <p:cNvSpPr>
+            <a:spLocks noGrp="1"/>
+          </p:cNvSpPr>
+          <p:nvPr>
+            <p:ph type="sldNum" sz="quarter" idx="5"/>
+          </p:nvPr>
+        </p:nvSpPr>
+        <p:spPr/>
+        <p:txBody>
+          <a:bodyPr/>
+          <a:lstStyle/>
+          <a:p>
+            <a:fld id="{261C0B1C-1E36-46F2-9B46-652C8ACF5BB5}" type="slidenum">
+              <a:rPr lang="zh-TW" altLang="en-US" smtClean="0"/>
+              <a:t>25</a:t>
+            </a:fld>
+            <a:endParaRPr lang="zh-TW" altLang="en-US"/>
+          </a:p>
+        </p:txBody>
+      </p:sp>
+    </p:spTree>
+    <p:extLst>
+      <p:ext uri="{BB962C8B-B14F-4D97-AF65-F5344CB8AC3E}">
+        <p14:creationId xmlns:p14="http://schemas.microsoft.com/office/powerpoint/2010/main" val="742916265"/>
       </p:ext>
     </p:extLst>
   </p:cSld>
@@ -35923,7 +36121,7 @@
                 <a:latin typeface="微軟正黑體" panose="020B0604030504040204" pitchFamily="34" charset="-120"/>
                 <a:ea typeface="微軟正黑體" panose="020B0604030504040204" pitchFamily="34" charset="-120"/>
               </a:rPr>
-              <a:t>能量旋轉</a:t>
+              <a:t>循環雷射</a:t>
             </a:r>
           </a:p>
         </p:txBody>
@@ -36466,7 +36664,7 @@
                 <a:latin typeface="微軟正黑體" panose="020B0604030504040204" pitchFamily="34" charset="-120"/>
                 <a:ea typeface="微軟正黑體" panose="020B0604030504040204" pitchFamily="34" charset="-120"/>
               </a:rPr>
-              <a:t>將一顆自旋的中子打進上述的雷射迴圈中，計算中子旋轉的結果，觀察到中子發生了時間遲滯的現象。 </a:t>
+              <a:t>將一顆自旋的中子打進上述的循環雷射中，計算中子旋轉的結果，觀察到中子發生了時間遲滯的現象。 </a:t>
             </a:r>
             <a:endParaRPr lang="en-US" altLang="zh-TW" dirty="0">
               <a:latin typeface="微軟正黑體" panose="020B0604030504040204" pitchFamily="34" charset="-120"/>
@@ -36519,7 +36717,7 @@
         </p:blipFill>
         <p:spPr bwMode="auto">
           <a:xfrm>
-            <a:off x="3519054" y="1432502"/>
+            <a:off x="3332017" y="1324408"/>
             <a:ext cx="4852555" cy="4852555"/>
           </a:xfrm>
           <a:prstGeom prst="rect">
@@ -37334,7 +37532,7 @@
                 <a:latin typeface="微軟正黑體" panose="020B0604030504040204" pitchFamily="34" charset="-120"/>
                 <a:ea typeface="微軟正黑體" panose="020B0604030504040204" pitchFamily="34" charset="-120"/>
               </a:rPr>
-              <a:t>年來的美國軍人。受軍事任務，乘時光機回到過去，拿回一部</a:t>
+              <a:t>年來的美國軍人。受軍方指揮，乘時光機回到過去，拿回一部</a:t>
             </a:r>
             <a:r>
               <a:rPr lang="en-US" altLang="zh-TW" dirty="0">
@@ -37575,7 +37773,7 @@
                 <a:latin typeface="微軟正黑體" panose="020B0604030504040204" pitchFamily="34" charset="-120"/>
                 <a:ea typeface="微軟正黑體" panose="020B0604030504040204" pitchFamily="34" charset="-120"/>
               </a:rPr>
-              <a:t>2020</a:t>
+              <a:t>2011</a:t>
             </a:r>
             <a:r>
               <a:rPr lang="zh-TW" altLang="en-US" dirty="0">
@@ -37906,7 +38104,7 @@
             <p:ph idx="1"/>
             <p:extLst>
               <p:ext uri="{D42A27DB-BD31-4B8C-83A1-F6EECF244321}">
-                <p14:modId xmlns:p14="http://schemas.microsoft.com/office/powerpoint/2010/main" val="2681572993"/>
+                <p14:modId xmlns:p14="http://schemas.microsoft.com/office/powerpoint/2010/main" val="3030780817"/>
               </p:ext>
             </p:extLst>
           </p:nvPr>
@@ -37998,7 +38196,7 @@
             <p:ph idx="1"/>
             <p:extLst>
               <p:ext uri="{D42A27DB-BD31-4B8C-83A1-F6EECF244321}">
-                <p14:modId xmlns:p14="http://schemas.microsoft.com/office/powerpoint/2010/main" val="3022406104"/>
+                <p14:modId xmlns:p14="http://schemas.microsoft.com/office/powerpoint/2010/main" val="3069440210"/>
               </p:ext>
             </p:extLst>
           </p:nvPr>
@@ -38517,7 +38715,7 @@
         </p:nvGrpSpPr>
         <p:grpSpPr>
           <a:xfrm>
-            <a:off x="2249632" y="365125"/>
+            <a:off x="2114550" y="448253"/>
             <a:ext cx="7692736" cy="6167010"/>
             <a:chOff x="2249632" y="365125"/>
             <a:chExt cx="7692736" cy="6167010"/>
@@ -38700,7 +38898,7 @@
             <p:ph idx="1"/>
             <p:extLst>
               <p:ext uri="{D42A27DB-BD31-4B8C-83A1-F6EECF244321}">
-                <p14:modId xmlns:p14="http://schemas.microsoft.com/office/powerpoint/2010/main" val="332960702"/>
+                <p14:modId xmlns:p14="http://schemas.microsoft.com/office/powerpoint/2010/main" val="1510257293"/>
               </p:ext>
             </p:extLst>
           </p:nvPr>
@@ -38766,7 +38964,24 @@
           <a:bodyPr/>
           <a:lstStyle/>
           <a:p>
-            <a:endParaRPr lang="zh-TW" altLang="en-US" dirty="0"/>
+            <a:r>
+              <a:rPr lang="zh-TW" altLang="en-US" dirty="0">
+                <a:latin typeface="微軟正黑體" panose="020B0604030504040204" pitchFamily="34" charset="-120"/>
+                <a:ea typeface="微軟正黑體" panose="020B0604030504040204" pitchFamily="34" charset="-120"/>
+              </a:rPr>
+              <a:t>如果只用一個黑洞進行穿越</a:t>
+            </a:r>
+            <a:r>
+              <a:rPr lang="en-US" altLang="zh-TW" dirty="0">
+                <a:latin typeface="微軟正黑體" panose="020B0604030504040204" pitchFamily="34" charset="-120"/>
+                <a:ea typeface="微軟正黑體" panose="020B0604030504040204" pitchFamily="34" charset="-120"/>
+              </a:rPr>
+              <a:t>…</a:t>
+            </a:r>
+            <a:endParaRPr lang="zh-TW" altLang="en-US" dirty="0">
+              <a:latin typeface="微軟正黑體" panose="020B0604030504040204" pitchFamily="34" charset="-120"/>
+              <a:ea typeface="微軟正黑體" panose="020B0604030504040204" pitchFamily="34" charset="-120"/>
+            </a:endParaRPr>
           </a:p>
         </p:txBody>
       </p:sp>
@@ -38935,7 +39150,13 @@
           <a:bodyPr/>
           <a:lstStyle/>
           <a:p>
-            <a:endParaRPr lang="zh-TW" altLang="en-US" dirty="0"/>
+            <a:r>
+              <a:rPr lang="zh-TW" altLang="en-US" dirty="0">
+                <a:latin typeface="微軟正黑體" panose="020B0604030504040204" pitchFamily="34" charset="-120"/>
+                <a:ea typeface="微軟正黑體" panose="020B0604030504040204" pitchFamily="34" charset="-120"/>
+              </a:rPr>
+              <a:t>無法承受過強的重力</a:t>
+            </a:r>
           </a:p>
         </p:txBody>
       </p:sp>
@@ -39104,7 +39325,14 @@
           <a:bodyPr/>
           <a:lstStyle/>
           <a:p>
-            <a:endParaRPr lang="zh-TW" altLang="en-US"/>
+            <a:r>
+              <a:rPr lang="zh-TW" altLang="en-US" dirty="0">
+                <a:latin typeface="微軟正黑體" panose="020B0604030504040204" pitchFamily="34" charset="-120"/>
+                <a:ea typeface="微軟正黑體" panose="020B0604030504040204" pitchFamily="34" charset="-120"/>
+              </a:rPr>
+              <a:t>用兩個黑洞互相抵消過大的重力</a:t>
+            </a:r>
+            <a:endParaRPr lang="zh-TW" altLang="en-US" dirty="0"/>
           </a:p>
         </p:txBody>
       </p:sp>
@@ -39337,7 +39565,7 @@
             <p:ph idx="1"/>
             <p:extLst>
               <p:ext uri="{D42A27DB-BD31-4B8C-83A1-F6EECF244321}">
-                <p14:modId xmlns:p14="http://schemas.microsoft.com/office/powerpoint/2010/main" val="1027632662"/>
+                <p14:modId xmlns:p14="http://schemas.microsoft.com/office/powerpoint/2010/main" val="2279163204"/>
               </p:ext>
             </p:extLst>
           </p:nvPr>
@@ -39348,7 +39576,7 @@
         </p:xfrm>
         <a:graphic>
           <a:graphicData uri="http://schemas.openxmlformats.org/drawingml/2006/diagram">
-            <dgm:relIds xmlns:dgm="http://schemas.openxmlformats.org/drawingml/2006/diagram" xmlns:r="http://schemas.openxmlformats.org/officeDocument/2006/relationships" r:dm="rId2" r:lo="rId3" r:qs="rId4" r:cs="rId5"/>
+            <dgm:relIds xmlns:dgm="http://schemas.openxmlformats.org/drawingml/2006/diagram" xmlns:r="http://schemas.openxmlformats.org/officeDocument/2006/relationships" r:dm="rId3" r:lo="rId4" r:qs="rId5" r:cs="rId6"/>
           </a:graphicData>
         </a:graphic>
       </p:graphicFrame>

--- a/W044週報_戴君諺.pptx
+++ b/W044週報_戴君諺.pptx
@@ -5,7 +5,7 @@
     <p:sldMasterId id="2147483648" r:id="rId1"/>
   </p:sldMasterIdLst>
   <p:notesMasterIdLst>
-    <p:notesMasterId r:id="rId28"/>
+    <p:notesMasterId r:id="rId27"/>
   </p:notesMasterIdLst>
   <p:sldIdLst>
     <p:sldId id="256" r:id="rId2"/>
@@ -33,7 +33,6 @@
     <p:sldId id="276" r:id="rId24"/>
     <p:sldId id="339" r:id="rId25"/>
     <p:sldId id="344" r:id="rId26"/>
-    <p:sldId id="281" r:id="rId27"/>
   </p:sldIdLst>
   <p:sldSz cx="12192000" cy="6858000"/>
   <p:notesSz cx="6858000" cy="9144000"/>
@@ -37532,7 +37531,7 @@
                 <a:latin typeface="微軟正黑體" panose="020B0604030504040204" pitchFamily="34" charset="-120"/>
                 <a:ea typeface="微軟正黑體" panose="020B0604030504040204" pitchFamily="34" charset="-120"/>
               </a:rPr>
-              <a:t>年來的美國軍人。受軍方指揮，乘時光機回到過去，拿回一部</a:t>
+              <a:t>年來的美國軍人。受軍方指揮，搭乘時光機回到過去，拿回</a:t>
             </a:r>
             <a:r>
               <a:rPr lang="en-US" altLang="zh-TW" dirty="0">
@@ -37668,7 +37667,7 @@
                 <a:latin typeface="微軟正黑體" panose="020B0604030504040204" pitchFamily="34" charset="-120"/>
                 <a:ea typeface="微軟正黑體" panose="020B0604030504040204" pitchFamily="34" charset="-120"/>
               </a:rPr>
-              <a:t>預言</a:t>
+              <a:t>成功的預言</a:t>
             </a:r>
           </a:p>
         </p:txBody>
@@ -38170,13 +38169,10 @@
           <a:bodyPr/>
           <a:lstStyle/>
           <a:p>
-            <a:r>
-              <a:rPr lang="zh-TW" altLang="en-US" dirty="0">
-                <a:latin typeface="微軟正黑體" panose="020B0604030504040204" pitchFamily="34" charset="-120"/>
-                <a:ea typeface="微軟正黑體" panose="020B0604030504040204" pitchFamily="34" charset="-120"/>
-              </a:rPr>
-              <a:t>原理</a:t>
-            </a:r>
+            <a:endParaRPr lang="zh-TW" altLang="en-US" dirty="0">
+              <a:latin typeface="微軟正黑體" panose="020B0604030504040204" pitchFamily="34" charset="-120"/>
+              <a:ea typeface="微軟正黑體" panose="020B0604030504040204" pitchFamily="34" charset="-120"/>
+            </a:endParaRPr>
           </a:p>
         </p:txBody>
       </p:sp>
@@ -38877,8 +38873,19 @@
                 <a:latin typeface="微軟正黑體" panose="020B0604030504040204" pitchFamily="34" charset="-120"/>
                 <a:ea typeface="微軟正黑體" panose="020B0604030504040204" pitchFamily="34" charset="-120"/>
               </a:rPr>
-              <a:t>原理</a:t>
+              <a:t>為什麼產生兩個黑洞</a:t>
             </a:r>
+            <a:r>
+              <a:rPr lang="en-US" altLang="zh-TW" dirty="0">
+                <a:latin typeface="微軟正黑體" panose="020B0604030504040204" pitchFamily="34" charset="-120"/>
+                <a:ea typeface="微軟正黑體" panose="020B0604030504040204" pitchFamily="34" charset="-120"/>
+              </a:rPr>
+              <a:t>?</a:t>
+            </a:r>
+            <a:endParaRPr lang="zh-TW" altLang="en-US" dirty="0">
+              <a:latin typeface="微軟正黑體" panose="020B0604030504040204" pitchFamily="34" charset="-120"/>
+              <a:ea typeface="微軟正黑體" panose="020B0604030504040204" pitchFamily="34" charset="-120"/>
+            </a:endParaRPr>
           </a:p>
         </p:txBody>
       </p:sp>
@@ -39539,13 +39546,10 @@
           <a:bodyPr/>
           <a:lstStyle/>
           <a:p>
-            <a:r>
-              <a:rPr lang="zh-TW" altLang="en-US" dirty="0">
-                <a:latin typeface="微軟正黑體" panose="020B0604030504040204" pitchFamily="34" charset="-120"/>
-                <a:ea typeface="微軟正黑體" panose="020B0604030504040204" pitchFamily="34" charset="-120"/>
-              </a:rPr>
-              <a:t>原理</a:t>
-            </a:r>
+            <a:endParaRPr lang="zh-TW" altLang="en-US" dirty="0">
+              <a:latin typeface="微軟正黑體" panose="020B0604030504040204" pitchFamily="34" charset="-120"/>
+              <a:ea typeface="微軟正黑體" panose="020B0604030504040204" pitchFamily="34" charset="-120"/>
+            </a:endParaRPr>
           </a:p>
         </p:txBody>
       </p:sp>
@@ -39584,106 +39588,6 @@
     <p:extLst>
       <p:ext uri="{BB962C8B-B14F-4D97-AF65-F5344CB8AC3E}">
         <p14:creationId xmlns:p14="http://schemas.microsoft.com/office/powerpoint/2010/main" val="2910286575"/>
-      </p:ext>
-    </p:extLst>
-  </p:cSld>
-  <p:clrMapOvr>
-    <a:masterClrMapping/>
-  </p:clrMapOvr>
-</p:sld>
-</file>
-
-<file path=ppt/slides/slide26.xml><?xml version="1.0" encoding="utf-8"?>
-<p:sld xmlns:a="http://schemas.openxmlformats.org/drawingml/2006/main" xmlns:r="http://schemas.openxmlformats.org/officeDocument/2006/relationships" xmlns:p="http://schemas.openxmlformats.org/presentationml/2006/main">
-  <p:cSld>
-    <p:spTree>
-      <p:nvGrpSpPr>
-        <p:cNvPr id="1" name=""/>
-        <p:cNvGrpSpPr/>
-        <p:nvPr/>
-      </p:nvGrpSpPr>
-      <p:grpSpPr>
-        <a:xfrm>
-          <a:off x="0" y="0"/>
-          <a:ext cx="0" cy="0"/>
-          <a:chOff x="0" y="0"/>
-          <a:chExt cx="0" cy="0"/>
-        </a:xfrm>
-      </p:grpSpPr>
-      <p:sp>
-        <p:nvSpPr>
-          <p:cNvPr id="6" name="標題 1">
-            <a:extLst>
-              <a:ext uri="{FF2B5EF4-FFF2-40B4-BE49-F238E27FC236}">
-                <a16:creationId xmlns:a16="http://schemas.microsoft.com/office/drawing/2014/main" id="{A18969DC-429D-42A7-838B-6D38C2B9C308}"/>
-              </a:ext>
-            </a:extLst>
-          </p:cNvPr>
-          <p:cNvSpPr txBox="1">
-            <a:spLocks/>
-          </p:cNvSpPr>
-          <p:nvPr/>
-        </p:nvSpPr>
-        <p:spPr>
-          <a:xfrm>
-            <a:off x="2086682" y="830871"/>
-            <a:ext cx="7543800" cy="3566160"/>
-          </a:xfrm>
-          <a:prstGeom prst="rect">
-            <a:avLst/>
-          </a:prstGeom>
-        </p:spPr>
-        <p:txBody>
-          <a:bodyPr vert="horz" lIns="91440" tIns="45720" rIns="91440" bIns="45720" rtlCol="0" anchor="b">
-            <a:normAutofit/>
-          </a:bodyPr>
-          <a:lstStyle>
-            <a:lvl1pPr algn="ctr" defTabSz="914400" rtl="0" eaLnBrk="1" latinLnBrk="0" hangingPunct="1">
-              <a:lnSpc>
-                <a:spcPct val="90000"/>
-              </a:lnSpc>
-              <a:spcBef>
-                <a:spcPct val="0"/>
-              </a:spcBef>
-              <a:buNone/>
-              <a:defRPr sz="6000" kern="1200">
-                <a:solidFill>
-                  <a:schemeClr val="tx1"/>
-                </a:solidFill>
-                <a:latin typeface="+mj-lt"/>
-                <a:ea typeface="+mj-ea"/>
-                <a:cs typeface="+mj-cs"/>
-              </a:defRPr>
-            </a:lvl1pPr>
-          </a:lstStyle>
-          <a:p>
-            <a:r>
-              <a:rPr lang="en-US" altLang="zh-TW" sz="6000" dirty="0">
-                <a:latin typeface="微軟正黑體" panose="020B0604030504040204" pitchFamily="34" charset="-120"/>
-                <a:ea typeface="微軟正黑體" panose="020B0604030504040204" pitchFamily="34" charset="-120"/>
-                <a:cs typeface="Times New Roman" panose="02020603050405020304" pitchFamily="18" charset="0"/>
-              </a:rPr>
-              <a:t>Thanks for Listening</a:t>
-            </a:r>
-            <a:br>
-              <a:rPr lang="en-US" altLang="zh-TW" dirty="0">
-                <a:latin typeface="微軟正黑體" panose="020B0604030504040204" pitchFamily="34" charset="-120"/>
-                <a:ea typeface="微軟正黑體" panose="020B0604030504040204" pitchFamily="34" charset="-120"/>
-                <a:cs typeface="Times New Roman" panose="02020603050405020304" pitchFamily="18" charset="0"/>
-              </a:rPr>
-            </a:br>
-            <a:endParaRPr lang="zh-TW" altLang="en-US" sz="4000" dirty="0">
-              <a:latin typeface="微軟正黑體" panose="020B0604030504040204" pitchFamily="34" charset="-120"/>
-              <a:ea typeface="微軟正黑體" panose="020B0604030504040204" pitchFamily="34" charset="-120"/>
-              <a:cs typeface="Times New Roman" panose="02020603050405020304" pitchFamily="18" charset="0"/>
-            </a:endParaRPr>
-          </a:p>
-        </p:txBody>
-      </p:sp>
-    </p:spTree>
-    <p:extLst>
-      <p:ext uri="{BB962C8B-B14F-4D97-AF65-F5344CB8AC3E}">
-        <p14:creationId xmlns:p14="http://schemas.microsoft.com/office/powerpoint/2010/main" val="1190124109"/>
       </p:ext>
     </p:extLst>
   </p:cSld>
@@ -39776,7 +39680,7 @@
         </p:spPr>
         <p:txBody>
           <a:bodyPr>
-            <a:normAutofit/>
+            <a:normAutofit lnSpcReduction="10000"/>
           </a:bodyPr>
           <a:lstStyle/>
           <a:p>
@@ -39785,7 +39689,7 @@
                 <a:latin typeface="微軟正黑體" panose="020B0604030504040204" pitchFamily="34" charset="-120"/>
                 <a:ea typeface="微軟正黑體" panose="020B0604030504040204" pitchFamily="34" charset="-120"/>
               </a:rPr>
-              <a:t>美國第七十九位黑人物理博士</a:t>
+              <a:t>美國康涅狄格大學理論物理學教授</a:t>
             </a:r>
             <a:endParaRPr lang="en-US" altLang="zh-TW" dirty="0">
               <a:latin typeface="微軟正黑體" panose="020B0604030504040204" pitchFamily="34" charset="-120"/>
@@ -39804,7 +39708,23 @@
                 <a:latin typeface="微軟正黑體" panose="020B0604030504040204" pitchFamily="34" charset="-120"/>
                 <a:ea typeface="微軟正黑體" panose="020B0604030504040204" pitchFamily="34" charset="-120"/>
               </a:rPr>
-              <a:t>美國康涅狄格大學理論物理學教授</a:t>
+              <a:t>在物理期刊上發表論文討論時光機</a:t>
+            </a:r>
+            <a:endParaRPr lang="en-US" altLang="zh-TW" dirty="0">
+              <a:latin typeface="微軟正黑體" panose="020B0604030504040204" pitchFamily="34" charset="-120"/>
+              <a:ea typeface="微軟正黑體" panose="020B0604030504040204" pitchFamily="34" charset="-120"/>
+            </a:endParaRPr>
+          </a:p>
+          <a:p>
+            <a:pPr marL="0" indent="0">
+              <a:buNone/>
+            </a:pPr>
+            <a:r>
+              <a:rPr lang="zh-TW" altLang="en-US" dirty="0">
+                <a:latin typeface="微軟正黑體" panose="020B0604030504040204" pitchFamily="34" charset="-120"/>
+                <a:ea typeface="微軟正黑體" panose="020B0604030504040204" pitchFamily="34" charset="-120"/>
+              </a:rPr>
+              <a:t>   的可行性</a:t>
             </a:r>
             <a:endParaRPr lang="en-US" altLang="zh-TW" dirty="0">
               <a:latin typeface="微軟正黑體" panose="020B0604030504040204" pitchFamily="34" charset="-120"/>
@@ -41559,7 +41479,7 @@
           <a:p>
             <a:r>
               <a:rPr lang="zh-TW" altLang="en-US" dirty="0"/>
-              <a:t>廣義相對論預言了處於轉動狀態的質量會對其周圍的時空產生拖曳的現象。</a:t>
+              <a:t>根據廣義相對論處於轉動狀態的質量會對其周圍的時空產生拖曳的現象。</a:t>
             </a:r>
           </a:p>
         </p:txBody>
